--- a/Slides/Principle/12 物理引擎/12 物理引擎.pptx
+++ b/Slides/Principle/12 物理引擎/12 物理引擎.pptx
@@ -368,7 +368,7 @@
           <a:p>
             <a:fld id="{530820CF-B880-4189-942D-D702A7CBA730}" type="datetimeFigureOut">
               <a:rPr lang="zh-CN" altLang="en-US" smtClean="0"/>
-              <a:t>2018/4/11</a:t>
+              <a:t>2019/5/8</a:t>
             </a:fld>
             <a:endParaRPr lang="zh-CN" altLang="en-US"/>
           </a:p>
@@ -590,7 +590,7 @@
           <a:p>
             <a:fld id="{530820CF-B880-4189-942D-D702A7CBA730}" type="datetimeFigureOut">
               <a:rPr lang="zh-CN" altLang="en-US" smtClean="0"/>
-              <a:t>2018/4/11</a:t>
+              <a:t>2019/5/8</a:t>
             </a:fld>
             <a:endParaRPr lang="zh-CN" altLang="en-US"/>
           </a:p>
@@ -858,7 +858,7 @@
           <a:p>
             <a:fld id="{530820CF-B880-4189-942D-D702A7CBA730}" type="datetimeFigureOut">
               <a:rPr lang="zh-CN" altLang="en-US" smtClean="0"/>
-              <a:t>2018/4/11</a:t>
+              <a:t>2019/5/8</a:t>
             </a:fld>
             <a:endParaRPr lang="zh-CN" altLang="en-US"/>
           </a:p>
@@ -1108,7 +1108,7 @@
           <a:p>
             <a:fld id="{530820CF-B880-4189-942D-D702A7CBA730}" type="datetimeFigureOut">
               <a:rPr lang="zh-CN" altLang="en-US" smtClean="0"/>
-              <a:t>2018/4/11</a:t>
+              <a:t>2019/5/8</a:t>
             </a:fld>
             <a:endParaRPr lang="zh-CN" altLang="en-US"/>
           </a:p>
@@ -1367,7 +1367,7 @@
           <a:p>
             <a:fld id="{530820CF-B880-4189-942D-D702A7CBA730}" type="datetimeFigureOut">
               <a:rPr lang="zh-CN" altLang="en-US" smtClean="0"/>
-              <a:t>2018/4/11</a:t>
+              <a:t>2019/5/8</a:t>
             </a:fld>
             <a:endParaRPr lang="zh-CN" altLang="en-US"/>
           </a:p>
@@ -1732,7 +1732,7 @@
           <a:p>
             <a:fld id="{530820CF-B880-4189-942D-D702A7CBA730}" type="datetimeFigureOut">
               <a:rPr lang="zh-CN" altLang="en-US" smtClean="0"/>
-              <a:t>2018/4/11</a:t>
+              <a:t>2019/5/8</a:t>
             </a:fld>
             <a:endParaRPr lang="zh-CN" altLang="en-US"/>
           </a:p>
@@ -2230,7 +2230,7 @@
           <a:p>
             <a:fld id="{530820CF-B880-4189-942D-D702A7CBA730}" type="datetimeFigureOut">
               <a:rPr lang="zh-CN" altLang="en-US" smtClean="0"/>
-              <a:t>2018/4/11</a:t>
+              <a:t>2019/5/8</a:t>
             </a:fld>
             <a:endParaRPr lang="zh-CN" altLang="en-US"/>
           </a:p>
@@ -2424,7 +2424,7 @@
           <a:p>
             <a:fld id="{530820CF-B880-4189-942D-D702A7CBA730}" type="datetimeFigureOut">
               <a:rPr lang="zh-CN" altLang="en-US" smtClean="0"/>
-              <a:t>2018/4/11</a:t>
+              <a:t>2019/5/8</a:t>
             </a:fld>
             <a:endParaRPr lang="zh-CN" altLang="en-US"/>
           </a:p>
@@ -2595,7 +2595,7 @@
           <a:p>
             <a:fld id="{530820CF-B880-4189-942D-D702A7CBA730}" type="datetimeFigureOut">
               <a:rPr lang="zh-CN" altLang="en-US" smtClean="0"/>
-              <a:t>2018/4/11</a:t>
+              <a:t>2019/5/8</a:t>
             </a:fld>
             <a:endParaRPr lang="zh-CN" altLang="en-US"/>
           </a:p>
@@ -2995,7 +2995,7 @@
           <a:p>
             <a:fld id="{530820CF-B880-4189-942D-D702A7CBA730}" type="datetimeFigureOut">
               <a:rPr lang="zh-CN" altLang="en-US" smtClean="0"/>
-              <a:t>2018/4/11</a:t>
+              <a:t>2019/5/8</a:t>
             </a:fld>
             <a:endParaRPr lang="zh-CN" altLang="en-US"/>
           </a:p>
@@ -3375,7 +3375,7 @@
           <a:p>
             <a:fld id="{530820CF-B880-4189-942D-D702A7CBA730}" type="datetimeFigureOut">
               <a:rPr lang="zh-CN" altLang="en-US" smtClean="0"/>
-              <a:t>2018/4/11</a:t>
+              <a:t>2019/5/8</a:t>
             </a:fld>
             <a:endParaRPr lang="zh-CN" altLang="en-US"/>
           </a:p>
@@ -3649,7 +3649,7 @@
           <a:p>
             <a:fld id="{530820CF-B880-4189-942D-D702A7CBA730}" type="datetimeFigureOut">
               <a:rPr lang="zh-CN" altLang="en-US" smtClean="0"/>
-              <a:t>2018/4/11</a:t>
+              <a:t>2019/5/8</a:t>
             </a:fld>
             <a:endParaRPr lang="zh-CN" altLang="en-US"/>
           </a:p>
@@ -4169,6 +4169,21 @@
   <p:clrMapOvr>
     <a:masterClrMapping/>
   </p:clrMapOvr>
+  <mc:AlternateContent xmlns:mc="http://schemas.openxmlformats.org/markup-compatibility/2006">
+    <mc:Choice xmlns:p14="http://schemas.microsoft.com/office/powerpoint/2010/main" Requires="p14">
+      <p:transition spd="slow" p14:dur="999"/>
+    </mc:Choice>
+    <mc:Fallback>
+      <p:transition spd="slow"/>
+    </mc:Fallback>
+  </mc:AlternateContent>
+  <p:timing>
+    <p:tnLst>
+      <p:par>
+        <p:cTn id="1" dur="indefinite" restart="never" nodeType="tmRoot"/>
+      </p:par>
+    </p:tnLst>
+  </p:timing>
 </p:sld>
 </file>
 
@@ -4271,6 +4286,13 @@
   <p:clrMapOvr>
     <a:masterClrMapping/>
   </p:clrMapOvr>
+  <p:timing>
+    <p:tnLst>
+      <p:par>
+        <p:cTn id="1" dur="indefinite" restart="never" nodeType="tmRoot"/>
+      </p:par>
+    </p:tnLst>
+  </p:timing>
 </p:sld>
 </file>
 
@@ -4403,6 +4425,13 @@
   <p:clrMapOvr>
     <a:masterClrMapping/>
   </p:clrMapOvr>
+  <p:timing>
+    <p:tnLst>
+      <p:par>
+        <p:cTn id="1" dur="indefinite" restart="never" nodeType="tmRoot"/>
+      </p:par>
+    </p:tnLst>
+  </p:timing>
 </p:sld>
 </file>
 
@@ -4482,11 +4511,7 @@
             </a:r>
             <a:r>
               <a:rPr lang="zh-CN" altLang="zh-CN" dirty="0"/>
-              <a:t>、游戏</a:t>
-            </a:r>
-            <a:r>
-              <a:rPr lang="zh-CN" altLang="zh-CN" dirty="0"/>
-              <a:t>关卡设计师以及游戏开发人员等提供一套易于使用的内容创作工具，</a:t>
+              <a:t>、游戏关卡设计师以及游戏开发人员等提供一套易于使用的内容创作工具，</a:t>
             </a:r>
             <a:r>
               <a:rPr lang="en-US" altLang="zh-CN" dirty="0"/>
@@ -4636,6 +4661,21 @@
   <p:clrMapOvr>
     <a:masterClrMapping/>
   </p:clrMapOvr>
+  <mc:AlternateContent xmlns:mc="http://schemas.openxmlformats.org/markup-compatibility/2006">
+    <mc:Choice xmlns:p14="http://schemas.microsoft.com/office/powerpoint/2010/main" Requires="p14">
+      <p:transition spd="slow" p14:dur="999"/>
+    </mc:Choice>
+    <mc:Fallback>
+      <p:transition spd="slow"/>
+    </mc:Fallback>
+  </mc:AlternateContent>
+  <p:timing>
+    <p:tnLst>
+      <p:par>
+        <p:cTn id="1" dur="indefinite" restart="never" nodeType="tmRoot"/>
+      </p:par>
+    </p:tnLst>
+  </p:timing>
 </p:sld>
 </file>
 
@@ -4908,6 +4948,13 @@
   <p:clrMapOvr>
     <a:masterClrMapping/>
   </p:clrMapOvr>
+  <p:timing>
+    <p:tnLst>
+      <p:par>
+        <p:cTn id="1" dur="indefinite" restart="never" nodeType="tmRoot"/>
+      </p:par>
+    </p:tnLst>
+  </p:timing>
 </p:sld>
 </file>
 
@@ -5048,6 +5095,13 @@
   <p:clrMapOvr>
     <a:masterClrMapping/>
   </p:clrMapOvr>
+  <p:timing>
+    <p:tnLst>
+      <p:par>
+        <p:cTn id="1" dur="indefinite" restart="never" nodeType="tmRoot"/>
+      </p:par>
+    </p:tnLst>
+  </p:timing>
 </p:sld>
 </file>
 
@@ -5180,6 +5234,13 @@
   <p:clrMapOvr>
     <a:masterClrMapping/>
   </p:clrMapOvr>
+  <p:timing>
+    <p:tnLst>
+      <p:par>
+        <p:cTn id="1" dur="indefinite" restart="never" nodeType="tmRoot"/>
+      </p:par>
+    </p:tnLst>
+  </p:timing>
 </p:sld>
 </file>
 
@@ -5312,6 +5373,13 @@
   <p:clrMapOvr>
     <a:masterClrMapping/>
   </p:clrMapOvr>
+  <p:timing>
+    <p:tnLst>
+      <p:par>
+        <p:cTn id="1" dur="indefinite" restart="never" nodeType="tmRoot"/>
+      </p:par>
+    </p:tnLst>
+  </p:timing>
 </p:sld>
 </file>
 
@@ -5552,6 +5620,13 @@
   <p:clrMapOvr>
     <a:masterClrMapping/>
   </p:clrMapOvr>
+  <p:timing>
+    <p:tnLst>
+      <p:par>
+        <p:cTn id="1" dur="indefinite" restart="never" nodeType="tmRoot"/>
+      </p:par>
+    </p:tnLst>
+  </p:timing>
 </p:sld>
 </file>
 
@@ -5684,6 +5759,13 @@
   <p:clrMapOvr>
     <a:masterClrMapping/>
   </p:clrMapOvr>
+  <p:timing>
+    <p:tnLst>
+      <p:par>
+        <p:cTn id="1" dur="indefinite" restart="never" nodeType="tmRoot"/>
+      </p:par>
+    </p:tnLst>
+  </p:timing>
 </p:sld>
 </file>
 
@@ -6132,6 +6214,13 @@
   <p:clrMapOvr>
     <a:masterClrMapping/>
   </p:clrMapOvr>
+  <p:timing>
+    <p:tnLst>
+      <p:par>
+        <p:cTn id="1" dur="indefinite" restart="never" nodeType="tmRoot"/>
+      </p:par>
+    </p:tnLst>
+  </p:timing>
 </p:sld>
 </file>
 
@@ -6295,6 +6384,13 @@
   <p:clrMapOvr>
     <a:masterClrMapping/>
   </p:clrMapOvr>
+  <p:timing>
+    <p:tnLst>
+      <p:par>
+        <p:cTn id="1" dur="indefinite" restart="never" nodeType="tmRoot"/>
+      </p:par>
+    </p:tnLst>
+  </p:timing>
 </p:sld>
 </file>
 
@@ -6451,6 +6547,13 @@
   <p:clrMapOvr>
     <a:masterClrMapping/>
   </p:clrMapOvr>
+  <p:timing>
+    <p:tnLst>
+      <p:par>
+        <p:cTn id="1" dur="indefinite" restart="never" nodeType="tmRoot"/>
+      </p:par>
+    </p:tnLst>
+  </p:timing>
 </p:sld>
 </file>
 
@@ -7105,6 +7208,13 @@
   <p:clrMapOvr>
     <a:masterClrMapping/>
   </p:clrMapOvr>
+  <p:timing>
+    <p:tnLst>
+      <p:par>
+        <p:cTn id="1" dur="indefinite" restart="never" nodeType="tmRoot"/>
+      </p:par>
+    </p:tnLst>
+  </p:timing>
 </p:sld>
 </file>
 
@@ -7218,6 +7328,13 @@
   <p:clrMapOvr>
     <a:masterClrMapping/>
   </p:clrMapOvr>
+  <p:timing>
+    <p:tnLst>
+      <p:par>
+        <p:cTn id="1" dur="indefinite" restart="never" nodeType="tmRoot"/>
+      </p:par>
+    </p:tnLst>
+  </p:timing>
 </p:sld>
 </file>
 
@@ -7277,10 +7394,37 @@
           <a:lstStyle/>
           <a:p>
             <a:r>
+              <a:rPr lang="en-US" altLang="zh-CN" dirty="0"/>
+              <a:t>Evolution of </a:t>
+            </a:r>
+            <a:r>
+              <a:rPr lang="en-US" altLang="zh-CN" dirty="0" err="1"/>
+              <a:t>Havok</a:t>
+            </a:r>
+            <a:r>
+              <a:rPr lang="en-US" altLang="zh-CN" dirty="0"/>
+              <a:t> Physics Engine Games </a:t>
+            </a:r>
+            <a:r>
+              <a:rPr lang="en-US" altLang="zh-CN" dirty="0" smtClean="0"/>
+              <a:t>1999-2018</a:t>
+            </a:r>
+            <a:endParaRPr lang="en-US" altLang="zh-CN" dirty="0" smtClean="0">
+              <a:hlinkClick r:id="rId2"/>
+            </a:endParaRPr>
+          </a:p>
+          <a:p>
+            <a:r>
               <a:rPr lang="en-US" altLang="zh-CN" dirty="0" smtClean="0">
                 <a:hlinkClick r:id="rId2"/>
               </a:rPr>
-              <a:t>http://my.tv.sohu.com/us/118817578/68027233.shtml</a:t>
+              <a:t>https</a:t>
+            </a:r>
+            <a:r>
+              <a:rPr lang="en-US" altLang="zh-CN" dirty="0">
+                <a:hlinkClick r:id="rId2"/>
+              </a:rPr>
+              <a:t>://www.youtube.com/watch?v=clNc7Bavb3Q</a:t>
             </a:r>
             <a:endParaRPr lang="zh-CN" altLang="en-US" dirty="0"/>
           </a:p>
@@ -7296,6 +7440,13 @@
   <p:clrMapOvr>
     <a:masterClrMapping/>
   </p:clrMapOvr>
+  <p:timing>
+    <p:tnLst>
+      <p:par>
+        <p:cTn id="1" dur="indefinite" restart="never" nodeType="tmRoot"/>
+      </p:par>
+    </p:tnLst>
+  </p:timing>
 </p:sld>
 </file>
 
@@ -7545,6 +7696,13 @@
   <p:clrMapOvr>
     <a:masterClrMapping/>
   </p:clrMapOvr>
+  <p:timing>
+    <p:tnLst>
+      <p:par>
+        <p:cTn id="1" dur="indefinite" restart="never" nodeType="tmRoot"/>
+      </p:par>
+    </p:tnLst>
+  </p:timing>
 </p:sld>
 </file>
 
@@ -7844,6 +8002,13 @@
   <p:clrMapOvr>
     <a:masterClrMapping/>
   </p:clrMapOvr>
+  <p:timing>
+    <p:tnLst>
+      <p:par>
+        <p:cTn id="1" dur="indefinite" restart="never" nodeType="tmRoot"/>
+      </p:par>
+    </p:tnLst>
+  </p:timing>
 </p:sld>
 </file>
 
@@ -8054,6 +8219,13 @@
   <p:clrMapOvr>
     <a:masterClrMapping/>
   </p:clrMapOvr>
+  <p:timing>
+    <p:tnLst>
+      <p:par>
+        <p:cTn id="1" dur="indefinite" restart="never" nodeType="tmRoot"/>
+      </p:par>
+    </p:tnLst>
+  </p:timing>
 </p:sld>
 </file>
 
@@ -8190,6 +8362,13 @@
   <p:clrMapOvr>
     <a:masterClrMapping/>
   </p:clrMapOvr>
+  <p:timing>
+    <p:tnLst>
+      <p:par>
+        <p:cTn id="1" dur="indefinite" restart="never" nodeType="tmRoot"/>
+      </p:par>
+    </p:tnLst>
+  </p:timing>
 </p:sld>
 </file>
 
@@ -8278,6 +8457,13 @@
   <p:clrMapOvr>
     <a:masterClrMapping/>
   </p:clrMapOvr>
+  <p:timing>
+    <p:tnLst>
+      <p:par>
+        <p:cTn id="1" dur="indefinite" restart="never" nodeType="tmRoot"/>
+      </p:par>
+    </p:tnLst>
+  </p:timing>
 </p:sld>
 </file>
 
@@ -8509,6 +8695,13 @@
   <p:clrMapOvr>
     <a:masterClrMapping/>
   </p:clrMapOvr>
+  <p:timing>
+    <p:tnLst>
+      <p:par>
+        <p:cTn id="1" dur="indefinite" restart="never" nodeType="tmRoot"/>
+      </p:par>
+    </p:tnLst>
+  </p:timing>
 </p:sld>
 </file>
 
@@ -8615,6 +8808,13 @@
   <p:clrMapOvr>
     <a:masterClrMapping/>
   </p:clrMapOvr>
+  <p:timing>
+    <p:tnLst>
+      <p:par>
+        <p:cTn id="1" dur="indefinite" restart="never" nodeType="tmRoot"/>
+      </p:par>
+    </p:tnLst>
+  </p:timing>
 </p:sld>
 </file>
 
@@ -8733,6 +8933,13 @@
   <p:clrMapOvr>
     <a:masterClrMapping/>
   </p:clrMapOvr>
+  <p:timing>
+    <p:tnLst>
+      <p:par>
+        <p:cTn id="1" dur="indefinite" restart="never" nodeType="tmRoot"/>
+      </p:par>
+    </p:tnLst>
+  </p:timing>
 </p:sld>
 </file>
 
@@ -8837,6 +9044,13 @@
   <p:clrMapOvr>
     <a:masterClrMapping/>
   </p:clrMapOvr>
+  <p:timing>
+    <p:tnLst>
+      <p:par>
+        <p:cTn id="1" dur="indefinite" restart="never" nodeType="tmRoot"/>
+      </p:par>
+    </p:tnLst>
+  </p:timing>
 </p:sld>
 </file>
 
@@ -8939,6 +9153,13 @@
   <p:clrMapOvr>
     <a:masterClrMapping/>
   </p:clrMapOvr>
+  <p:timing>
+    <p:tnLst>
+      <p:par>
+        <p:cTn id="1" dur="indefinite" restart="never" nodeType="tmRoot"/>
+      </p:par>
+    </p:tnLst>
+  </p:timing>
 </p:sld>
 </file>
 
@@ -9188,6 +9409,13 @@
   <p:clrMapOvr>
     <a:masterClrMapping/>
   </p:clrMapOvr>
+  <p:timing>
+    <p:tnLst>
+      <p:par>
+        <p:cTn id="1" dur="indefinite" restart="never" nodeType="tmRoot"/>
+      </p:par>
+    </p:tnLst>
+  </p:timing>
 </p:sld>
 </file>
 
@@ -9391,6 +9619,13 @@
   <p:clrMapOvr>
     <a:masterClrMapping/>
   </p:clrMapOvr>
+  <p:timing>
+    <p:tnLst>
+      <p:par>
+        <p:cTn id="1" dur="indefinite" restart="never" nodeType="tmRoot"/>
+      </p:par>
+    </p:tnLst>
+  </p:timing>
 </p:sld>
 </file>
 
@@ -9606,6 +9841,13 @@
   <p:clrMapOvr>
     <a:masterClrMapping/>
   </p:clrMapOvr>
+  <p:timing>
+    <p:tnLst>
+      <p:par>
+        <p:cTn id="1" dur="indefinite" restart="never" nodeType="tmRoot"/>
+      </p:par>
+    </p:tnLst>
+  </p:timing>
 </p:sld>
 </file>
 
@@ -9809,6 +10051,13 @@
   <p:clrMapOvr>
     <a:masterClrMapping/>
   </p:clrMapOvr>
+  <p:timing>
+    <p:tnLst>
+      <p:par>
+        <p:cTn id="1" dur="indefinite" restart="never" nodeType="tmRoot"/>
+      </p:par>
+    </p:tnLst>
+  </p:timing>
 </p:sld>
 </file>
 
@@ -9989,6 +10238,13 @@
   <p:clrMapOvr>
     <a:masterClrMapping/>
   </p:clrMapOvr>
+  <p:timing>
+    <p:tnLst>
+      <p:par>
+        <p:cTn id="1" dur="indefinite" restart="never" nodeType="tmRoot"/>
+      </p:par>
+    </p:tnLst>
+  </p:timing>
 </p:sld>
 </file>
 
@@ -10222,6 +10478,13 @@
   <p:clrMapOvr>
     <a:masterClrMapping/>
   </p:clrMapOvr>
+  <p:timing>
+    <p:tnLst>
+      <p:par>
+        <p:cTn id="1" dur="indefinite" restart="never" nodeType="tmRoot"/>
+      </p:par>
+    </p:tnLst>
+  </p:timing>
 </p:sld>
 </file>
 
@@ -10520,6 +10783,13 @@
   <p:clrMapOvr>
     <a:masterClrMapping/>
   </p:clrMapOvr>
+  <p:timing>
+    <p:tnLst>
+      <p:par>
+        <p:cTn id="1" dur="indefinite" restart="never" nodeType="tmRoot"/>
+      </p:par>
+    </p:tnLst>
+  </p:timing>
 </p:sld>
 </file>
 
@@ -10596,6 +10866,13 @@
   <p:clrMapOvr>
     <a:masterClrMapping/>
   </p:clrMapOvr>
+  <p:timing>
+    <p:tnLst>
+      <p:par>
+        <p:cTn id="1" dur="indefinite" restart="never" nodeType="tmRoot"/>
+      </p:par>
+    </p:tnLst>
+  </p:timing>
 </p:sld>
 </file>
 
@@ -10750,6 +11027,13 @@
   <p:clrMapOvr>
     <a:masterClrMapping/>
   </p:clrMapOvr>
+  <p:timing>
+    <p:tnLst>
+      <p:par>
+        <p:cTn id="1" dur="indefinite" restart="never" nodeType="tmRoot"/>
+      </p:par>
+    </p:tnLst>
+  </p:timing>
 </p:sld>
 </file>
 
@@ -10904,6 +11188,13 @@
   <p:clrMapOvr>
     <a:masterClrMapping/>
   </p:clrMapOvr>
+  <p:timing>
+    <p:tnLst>
+      <p:par>
+        <p:cTn id="1" dur="indefinite" restart="never" nodeType="tmRoot"/>
+      </p:par>
+    </p:tnLst>
+  </p:timing>
 </p:sld>
 </file>
 
@@ -10976,6 +11267,13 @@
   <p:clrMapOvr>
     <a:masterClrMapping/>
   </p:clrMapOvr>
+  <p:timing>
+    <p:tnLst>
+      <p:par>
+        <p:cTn id="1" dur="indefinite" restart="never" nodeType="tmRoot"/>
+      </p:par>
+    </p:tnLst>
+  </p:timing>
 </p:sld>
 </file>
 
@@ -11056,6 +11354,13 @@
   <p:clrMapOvr>
     <a:masterClrMapping/>
   </p:clrMapOvr>
+  <p:timing>
+    <p:tnLst>
+      <p:par>
+        <p:cTn id="1" dur="indefinite" restart="never" nodeType="tmRoot"/>
+      </p:par>
+    </p:tnLst>
+  </p:timing>
 </p:sld>
 </file>
 
@@ -11226,6 +11531,13 @@
   <p:clrMapOvr>
     <a:masterClrMapping/>
   </p:clrMapOvr>
+  <p:timing>
+    <p:tnLst>
+      <p:par>
+        <p:cTn id="1" dur="indefinite" restart="never" nodeType="tmRoot"/>
+      </p:par>
+    </p:tnLst>
+  </p:timing>
 </p:sld>
 </file>
 
@@ -11543,6 +11855,21 @@
   <p:clrMapOvr>
     <a:masterClrMapping/>
   </p:clrMapOvr>
+  <mc:AlternateContent xmlns:mc="http://schemas.openxmlformats.org/markup-compatibility/2006">
+    <mc:Choice xmlns:p14="http://schemas.microsoft.com/office/powerpoint/2010/main" Requires="p14">
+      <p:transition spd="slow" p14:dur="2000"/>
+    </mc:Choice>
+    <mc:Fallback>
+      <p:transition spd="slow"/>
+    </mc:Fallback>
+  </mc:AlternateContent>
+  <p:timing>
+    <p:tnLst>
+      <p:par>
+        <p:cTn id="1" dur="indefinite" restart="never" nodeType="tmRoot"/>
+      </p:par>
+    </p:tnLst>
+  </p:timing>
 </p:sld>
 </file>
 
@@ -11813,6 +12140,13 @@
   <p:clrMapOvr>
     <a:masterClrMapping/>
   </p:clrMapOvr>
+  <p:timing>
+    <p:tnLst>
+      <p:par>
+        <p:cTn id="1" dur="indefinite" restart="never" nodeType="tmRoot"/>
+      </p:par>
+    </p:tnLst>
+  </p:timing>
 </p:sld>
 </file>
 
@@ -12076,6 +12410,13 @@
   <p:clrMapOvr>
     <a:masterClrMapping/>
   </p:clrMapOvr>
+  <p:timing>
+    <p:tnLst>
+      <p:par>
+        <p:cTn id="1" dur="indefinite" restart="never" nodeType="tmRoot"/>
+      </p:par>
+    </p:tnLst>
+  </p:timing>
 </p:sld>
 </file>
 
